--- a/IDWorkerIntro.pptx
+++ b/IDWorkerIntro.pptx
@@ -219,7 +219,7 @@
           <a:p>
             <a:fld id="{D926A816-0AFC-EE42-8050-8DE540A508DE}" type="datetimeFigureOut">
               <a:rPr kumimoji="1" lang="zh-CN" altLang="en-US" smtClean="0"/>
-              <a:t>13-12-24</a:t>
+              <a:t>14-1-13</a:t>
             </a:fld>
             <a:endParaRPr kumimoji="1" lang="zh-CN" altLang="en-US"/>
           </a:p>
@@ -1080,6 +1080,274 @@
 </p:notes>
 </file>
 
+<file path=ppt/notesSlides/notesSlide5.xml><?xml version="1.0" encoding="utf-8"?>
+<p:notes xmlns:a="http://schemas.openxmlformats.org/drawingml/2006/main" xmlns:r="http://schemas.openxmlformats.org/officeDocument/2006/relationships" xmlns:p="http://schemas.openxmlformats.org/presentationml/2006/main">
+  <p:cSld>
+    <p:spTree>
+      <p:nvGrpSpPr>
+        <p:cNvPr id="1" name=""/>
+        <p:cNvGrpSpPr/>
+        <p:nvPr/>
+      </p:nvGrpSpPr>
+      <p:grpSpPr>
+        <a:xfrm>
+          <a:off x="0" y="0"/>
+          <a:ext cx="0" cy="0"/>
+          <a:chOff x="0" y="0"/>
+          <a:chExt cx="0" cy="0"/>
+        </a:xfrm>
+      </p:grpSpPr>
+      <p:sp>
+        <p:nvSpPr>
+          <p:cNvPr id="2" name="幻灯片图像占位符 1"/>
+          <p:cNvSpPr>
+            <a:spLocks noGrp="1" noRot="1" noChangeAspect="1"/>
+          </p:cNvSpPr>
+          <p:nvPr>
+            <p:ph type="sldImg"/>
+          </p:nvPr>
+        </p:nvSpPr>
+        <p:spPr/>
+      </p:sp>
+      <p:sp>
+        <p:nvSpPr>
+          <p:cNvPr id="3" name="备注占位符 2"/>
+          <p:cNvSpPr>
+            <a:spLocks noGrp="1"/>
+          </p:cNvSpPr>
+          <p:nvPr>
+            <p:ph type="body" idx="1"/>
+          </p:nvPr>
+        </p:nvSpPr>
+        <p:spPr/>
+        <p:txBody>
+          <a:bodyPr/>
+          <a:lstStyle/>
+          <a:p>
+            <a:r>
+              <a:rPr kumimoji="1" lang="zh-CN" altLang="en-US" dirty="0" smtClean="0"/>
+              <a:t>一天最大毫秒</a:t>
+            </a:r>
+            <a:r>
+              <a:rPr kumimoji="1" lang="en-US" altLang="zh-CN" dirty="0" smtClean="0"/>
+              <a:t>86400000</a:t>
+            </a:r>
+            <a:r>
+              <a:rPr kumimoji="1" lang="zh-CN" altLang="en-US" dirty="0" smtClean="0"/>
+              <a:t>，最大占用</a:t>
+            </a:r>
+            <a:r>
+              <a:rPr kumimoji="1" lang="en-US" altLang="zh-CN" dirty="0" smtClean="0"/>
+              <a:t>27</a:t>
+            </a:r>
+            <a:r>
+              <a:rPr kumimoji="1" lang="zh-CN" altLang="en-US" dirty="0" smtClean="0"/>
+              <a:t>比特</a:t>
+            </a:r>
+          </a:p>
+          <a:p>
+            <a:r>
+              <a:rPr kumimoji="1" lang="en-US" altLang="zh-CN" dirty="0" smtClean="0"/>
+              <a:t>27+10+11=48</a:t>
+            </a:r>
+            <a:r>
+              <a:rPr kumimoji="1" lang="zh-CN" altLang="en-US" dirty="0" smtClean="0"/>
+              <a:t>位 最大值</a:t>
+            </a:r>
+            <a:r>
+              <a:rPr kumimoji="1" lang="en-US" altLang="zh-CN" dirty="0" smtClean="0"/>
+              <a:t>281474976710655(15</a:t>
+            </a:r>
+            <a:r>
+              <a:rPr kumimoji="1" lang="zh-CN" altLang="en-US" dirty="0" smtClean="0"/>
+              <a:t>字</a:t>
+            </a:r>
+            <a:r>
+              <a:rPr kumimoji="1" lang="en-US" altLang="zh-CN" dirty="0" smtClean="0"/>
+              <a:t>)</a:t>
+            </a:r>
+            <a:r>
+              <a:rPr kumimoji="1" lang="zh-CN" altLang="en-US" dirty="0" smtClean="0"/>
+              <a:t>，</a:t>
+            </a:r>
+            <a:r>
+              <a:rPr kumimoji="1" lang="en-US" altLang="zh-CN" dirty="0" smtClean="0"/>
+              <a:t>YK0XXHZ827(10</a:t>
+            </a:r>
+            <a:r>
+              <a:rPr kumimoji="1" lang="zh-CN" altLang="en-US" dirty="0" smtClean="0"/>
+              <a:t>字</a:t>
+            </a:r>
+            <a:r>
+              <a:rPr kumimoji="1" lang="en-US" altLang="zh-CN" dirty="0" smtClean="0"/>
+              <a:t>)</a:t>
+            </a:r>
+          </a:p>
+          <a:p>
+            <a:r>
+              <a:rPr kumimoji="1" lang="en-US" altLang="zh-CN" dirty="0" smtClean="0"/>
+              <a:t>6</a:t>
+            </a:r>
+            <a:r>
+              <a:rPr kumimoji="1" lang="zh-CN" altLang="en-US" dirty="0" smtClean="0"/>
+              <a:t>位</a:t>
+            </a:r>
+            <a:r>
+              <a:rPr kumimoji="1" lang="en-US" altLang="zh-CN" dirty="0" smtClean="0"/>
+              <a:t>(YYMMDD)+15</a:t>
+            </a:r>
+            <a:r>
+              <a:rPr kumimoji="1" lang="zh-CN" altLang="en-US" dirty="0" smtClean="0"/>
+              <a:t>位，共</a:t>
+            </a:r>
+            <a:r>
+              <a:rPr kumimoji="1" lang="en-US" altLang="zh-CN" dirty="0" smtClean="0"/>
+              <a:t>21</a:t>
+            </a:r>
+            <a:r>
+              <a:rPr kumimoji="1" lang="zh-CN" altLang="en-US" dirty="0" smtClean="0"/>
+              <a:t>位</a:t>
+            </a:r>
+          </a:p>
+          <a:p>
+            <a:endParaRPr kumimoji="1" lang="zh-CN" altLang="en-US" dirty="0" smtClean="0"/>
+          </a:p>
+          <a:p>
+            <a:r>
+              <a:rPr kumimoji="1" lang="zh-CN" altLang="en-US" dirty="0" smtClean="0"/>
+              <a:t>符合</a:t>
+            </a:r>
+            <a:r>
+              <a:rPr kumimoji="1" lang="en-US" altLang="zh-CN" dirty="0" smtClean="0"/>
+              <a:t>:</a:t>
+            </a:r>
+          </a:p>
+          <a:p>
+            <a:r>
+              <a:rPr kumimoji="1" lang="en-US" altLang="zh-CN" dirty="0" smtClean="0"/>
+              <a:t>1) 64</a:t>
+            </a:r>
+            <a:r>
+              <a:rPr kumimoji="1" lang="zh-CN" altLang="en-US" dirty="0" smtClean="0"/>
+              <a:t>比特以下</a:t>
+            </a:r>
+            <a:r>
+              <a:rPr kumimoji="1" lang="en-US" altLang="zh-CN" dirty="0" smtClean="0"/>
+              <a:t>;</a:t>
+            </a:r>
+          </a:p>
+          <a:p>
+            <a:r>
+              <a:rPr kumimoji="1" lang="en-US" altLang="zh-CN" dirty="0" smtClean="0"/>
+              <a:t>2) </a:t>
+            </a:r>
+            <a:r>
+              <a:rPr kumimoji="1" lang="zh-CN" altLang="en-US" dirty="0" smtClean="0"/>
+              <a:t>必然全局唯一</a:t>
+            </a:r>
+            <a:r>
+              <a:rPr kumimoji="1" lang="en-US" altLang="zh-CN" dirty="0" smtClean="0"/>
+              <a:t>;</a:t>
+            </a:r>
+          </a:p>
+          <a:p>
+            <a:r>
+              <a:rPr kumimoji="1" lang="en-US" altLang="zh-CN" dirty="0" smtClean="0"/>
+              <a:t>3) </a:t>
+            </a:r>
+            <a:r>
+              <a:rPr kumimoji="1" lang="zh-CN" altLang="en-US" dirty="0" smtClean="0"/>
+              <a:t>不需要彼此协调</a:t>
+            </a:r>
+            <a:r>
+              <a:rPr kumimoji="1" lang="en-US" altLang="zh-CN" dirty="0" smtClean="0"/>
+              <a:t>;</a:t>
+            </a:r>
+          </a:p>
+          <a:p>
+            <a:r>
+              <a:rPr kumimoji="1" lang="en-US" altLang="zh-CN" dirty="0" smtClean="0"/>
+              <a:t>4) K-SORTED.</a:t>
+            </a:r>
+          </a:p>
+          <a:p>
+            <a:endParaRPr kumimoji="1" lang="en-US" altLang="zh-CN" dirty="0" smtClean="0"/>
+          </a:p>
+          <a:p>
+            <a:r>
+              <a:rPr kumimoji="1" lang="zh-CN" altLang="en-US" dirty="0" smtClean="0"/>
+              <a:t>首次启动，从服务器生成唯一任务</a:t>
+            </a:r>
+            <a:r>
+              <a:rPr kumimoji="1" lang="en-US" altLang="zh-CN" dirty="0" smtClean="0"/>
+              <a:t>ID</a:t>
+            </a:r>
+            <a:r>
+              <a:rPr kumimoji="1" lang="zh-CN" altLang="en-US" dirty="0" smtClean="0"/>
+              <a:t>，写入本地任务</a:t>
+            </a:r>
+            <a:r>
+              <a:rPr kumimoji="1" lang="en-US" altLang="zh-CN" dirty="0" smtClean="0"/>
+              <a:t>ID</a:t>
+            </a:r>
+            <a:r>
+              <a:rPr kumimoji="1" lang="zh-CN" altLang="en-US" dirty="0" smtClean="0"/>
+              <a:t>锁文件。</a:t>
+            </a:r>
+          </a:p>
+          <a:p>
+            <a:r>
+              <a:rPr kumimoji="1" lang="zh-CN" altLang="en-US" dirty="0" smtClean="0"/>
+              <a:t>后续启动，先从锁文件找可用任务</a:t>
+            </a:r>
+            <a:r>
+              <a:rPr kumimoji="1" lang="en-US" altLang="zh-CN" dirty="0" smtClean="0"/>
+              <a:t>ID</a:t>
+            </a:r>
+            <a:r>
+              <a:rPr kumimoji="1" lang="zh-CN" altLang="en-US" dirty="0" smtClean="0"/>
+              <a:t>，找不到时当成首次访问。</a:t>
+            </a:r>
+            <a:endParaRPr kumimoji="1" lang="zh-CN" altLang="en-US" dirty="0"/>
+          </a:p>
+        </p:txBody>
+      </p:sp>
+      <p:sp>
+        <p:nvSpPr>
+          <p:cNvPr id="4" name="幻灯片编号占位符 3"/>
+          <p:cNvSpPr>
+            <a:spLocks noGrp="1"/>
+          </p:cNvSpPr>
+          <p:nvPr>
+            <p:ph type="sldNum" sz="quarter" idx="10"/>
+          </p:nvPr>
+        </p:nvSpPr>
+        <p:spPr/>
+        <p:txBody>
+          <a:bodyPr/>
+          <a:lstStyle/>
+          <a:p>
+            <a:fld id="{DB8501D2-D694-0E46-956D-150825DA86EE}" type="slidenum">
+              <a:rPr kumimoji="1" lang="zh-CN" altLang="en-US" smtClean="0"/>
+              <a:t>26</a:t>
+            </a:fld>
+            <a:endParaRPr kumimoji="1" lang="zh-CN" altLang="en-US"/>
+          </a:p>
+        </p:txBody>
+      </p:sp>
+    </p:spTree>
+    <p:extLst>
+      <p:ext uri="{BB962C8B-B14F-4D97-AF65-F5344CB8AC3E}">
+        <p14:creationId xmlns:p14="http://schemas.microsoft.com/office/powerpoint/2010/main" val="890392950"/>
+      </p:ext>
+    </p:extLst>
+  </p:cSld>
+  <p:clrMapOvr>
+    <a:masterClrMapping/>
+  </p:clrMapOvr>
+</p:notes>
+</file>
+
 <file path=ppt/slideLayouts/slideLayout1.xml><?xml version="1.0" encoding="utf-8"?>
 <p:sldLayout xmlns:a="http://schemas.openxmlformats.org/drawingml/2006/main" xmlns:r="http://schemas.openxmlformats.org/officeDocument/2006/relationships" xmlns:p="http://schemas.openxmlformats.org/presentationml/2006/main" type="title" preserve="1">
   <p:cSld name="标题幻灯片">
@@ -1261,7 +1529,7 @@
           <a:p>
             <a:fld id="{56EA0253-887D-0E45-915F-965AD1005607}" type="datetimeFigureOut">
               <a:rPr kumimoji="1" lang="zh-CN" altLang="en-US" smtClean="0"/>
-              <a:t>13-12-24</a:t>
+              <a:t>14-1-13</a:t>
             </a:fld>
             <a:endParaRPr kumimoji="1" lang="zh-CN" altLang="en-US"/>
           </a:p>
@@ -1431,7 +1699,7 @@
           <a:p>
             <a:fld id="{56EA0253-887D-0E45-915F-965AD1005607}" type="datetimeFigureOut">
               <a:rPr kumimoji="1" lang="zh-CN" altLang="en-US" smtClean="0"/>
-              <a:t>13-12-24</a:t>
+              <a:t>14-1-13</a:t>
             </a:fld>
             <a:endParaRPr kumimoji="1" lang="zh-CN" altLang="en-US"/>
           </a:p>
@@ -1611,7 +1879,7 @@
           <a:p>
             <a:fld id="{56EA0253-887D-0E45-915F-965AD1005607}" type="datetimeFigureOut">
               <a:rPr kumimoji="1" lang="zh-CN" altLang="en-US" smtClean="0"/>
-              <a:t>13-12-24</a:t>
+              <a:t>14-1-13</a:t>
             </a:fld>
             <a:endParaRPr kumimoji="1" lang="zh-CN" altLang="en-US"/>
           </a:p>
@@ -1781,7 +2049,7 @@
           <a:p>
             <a:fld id="{56EA0253-887D-0E45-915F-965AD1005607}" type="datetimeFigureOut">
               <a:rPr kumimoji="1" lang="zh-CN" altLang="en-US" smtClean="0"/>
-              <a:t>13-12-24</a:t>
+              <a:t>14-1-13</a:t>
             </a:fld>
             <a:endParaRPr kumimoji="1" lang="zh-CN" altLang="en-US"/>
           </a:p>
@@ -2027,7 +2295,7 @@
           <a:p>
             <a:fld id="{56EA0253-887D-0E45-915F-965AD1005607}" type="datetimeFigureOut">
               <a:rPr kumimoji="1" lang="zh-CN" altLang="en-US" smtClean="0"/>
-              <a:t>13-12-24</a:t>
+              <a:t>14-1-13</a:t>
             </a:fld>
             <a:endParaRPr kumimoji="1" lang="zh-CN" altLang="en-US"/>
           </a:p>
@@ -2315,7 +2583,7 @@
           <a:p>
             <a:fld id="{56EA0253-887D-0E45-915F-965AD1005607}" type="datetimeFigureOut">
               <a:rPr kumimoji="1" lang="zh-CN" altLang="en-US" smtClean="0"/>
-              <a:t>13-12-24</a:t>
+              <a:t>14-1-13</a:t>
             </a:fld>
             <a:endParaRPr kumimoji="1" lang="zh-CN" altLang="en-US"/>
           </a:p>
@@ -2737,7 +3005,7 @@
           <a:p>
             <a:fld id="{56EA0253-887D-0E45-915F-965AD1005607}" type="datetimeFigureOut">
               <a:rPr kumimoji="1" lang="zh-CN" altLang="en-US" smtClean="0"/>
-              <a:t>13-12-24</a:t>
+              <a:t>14-1-13</a:t>
             </a:fld>
             <a:endParaRPr kumimoji="1" lang="zh-CN" altLang="en-US"/>
           </a:p>
@@ -2855,7 +3123,7 @@
           <a:p>
             <a:fld id="{56EA0253-887D-0E45-915F-965AD1005607}" type="datetimeFigureOut">
               <a:rPr kumimoji="1" lang="zh-CN" altLang="en-US" smtClean="0"/>
-              <a:t>13-12-24</a:t>
+              <a:t>14-1-13</a:t>
             </a:fld>
             <a:endParaRPr kumimoji="1" lang="zh-CN" altLang="en-US"/>
           </a:p>
@@ -2950,7 +3218,7 @@
           <a:p>
             <a:fld id="{56EA0253-887D-0E45-915F-965AD1005607}" type="datetimeFigureOut">
               <a:rPr kumimoji="1" lang="zh-CN" altLang="en-US" smtClean="0"/>
-              <a:t>13-12-24</a:t>
+              <a:t>14-1-13</a:t>
             </a:fld>
             <a:endParaRPr kumimoji="1" lang="zh-CN" altLang="en-US"/>
           </a:p>
@@ -3227,7 +3495,7 @@
           <a:p>
             <a:fld id="{56EA0253-887D-0E45-915F-965AD1005607}" type="datetimeFigureOut">
               <a:rPr kumimoji="1" lang="zh-CN" altLang="en-US" smtClean="0"/>
-              <a:t>13-12-24</a:t>
+              <a:t>14-1-13</a:t>
             </a:fld>
             <a:endParaRPr kumimoji="1" lang="zh-CN" altLang="en-US"/>
           </a:p>
@@ -3480,7 +3748,7 @@
           <a:p>
             <a:fld id="{56EA0253-887D-0E45-915F-965AD1005607}" type="datetimeFigureOut">
               <a:rPr kumimoji="1" lang="zh-CN" altLang="en-US" smtClean="0"/>
-              <a:t>13-12-24</a:t>
+              <a:t>14-1-13</a:t>
             </a:fld>
             <a:endParaRPr kumimoji="1" lang="zh-CN" altLang="en-US"/>
           </a:p>
@@ -3693,7 +3961,7 @@
           <a:p>
             <a:fld id="{56EA0253-887D-0E45-915F-965AD1005607}" type="datetimeFigureOut">
               <a:rPr kumimoji="1" lang="zh-CN" altLang="en-US" smtClean="0"/>
-              <a:t>13-12-24</a:t>
+              <a:t>14-1-13</a:t>
             </a:fld>
             <a:endParaRPr kumimoji="1" lang="zh-CN" altLang="en-US"/>
           </a:p>
@@ -5905,7 +6173,28 @@
                 <a:latin typeface="Helvetica"/>
                 <a:cs typeface="Helvetica"/>
               </a:rPr>
-              <a:t>MySQL auto increment</a:t>
+              <a:t>MySQL/</a:t>
+            </a:r>
+            <a:r>
+              <a:rPr lang="en-US" altLang="zh-CN" dirty="0" err="1" smtClean="0">
+                <a:latin typeface="Helvetica"/>
+                <a:cs typeface="Helvetica"/>
+              </a:rPr>
+              <a:t>Redis</a:t>
+            </a:r>
+            <a:r>
+              <a:rPr lang="en-US" altLang="zh-CN" dirty="0" smtClean="0">
+                <a:latin typeface="Helvetica"/>
+                <a:cs typeface="Helvetica"/>
+              </a:rPr>
+              <a:t> </a:t>
+            </a:r>
+            <a:r>
+              <a:rPr lang="en-US" altLang="zh-CN" dirty="0" smtClean="0">
+                <a:latin typeface="Helvetica"/>
+                <a:cs typeface="Helvetica"/>
+              </a:rPr>
+              <a:t>auto increment</a:t>
             </a:r>
             <a:endParaRPr kumimoji="1" lang="zh-CN" altLang="en-US" dirty="0"/>
           </a:p>
@@ -6065,7 +6354,15 @@
                   <a:schemeClr val="tx1"/>
                 </a:solidFill>
               </a:rPr>
-              <a:t>MySQL</a:t>
+              <a:t>MySQL/</a:t>
+            </a:r>
+            <a:r>
+              <a:rPr lang="en-US" sz="2800" dirty="0" err="1" smtClean="0">
+                <a:solidFill>
+                  <a:schemeClr val="tx1"/>
+                </a:solidFill>
+              </a:rPr>
+              <a:t>Redis</a:t>
             </a:r>
             <a:endParaRPr lang="en-US" sz="2800" dirty="0">
               <a:solidFill>
@@ -7053,23 +7350,13 @@
             </a:pPr>
             <a:r>
               <a:rPr lang="en-US" sz="1600" dirty="0" smtClean="0"/>
-              <a:t>UUIDs</a:t>
-            </a:r>
-            <a:r>
-              <a:rPr lang="en-US" sz="1600" dirty="0" smtClean="0"/>
-              <a:t> </a:t>
+              <a:t>UUIDs </a:t>
             </a:r>
             <a:r>
               <a:rPr lang="en-US" sz="1600" dirty="0" smtClean="0">
                 <a:hlinkClick r:id="rId3"/>
               </a:rPr>
-              <a:t>http</a:t>
-            </a:r>
-            <a:r>
-              <a:rPr lang="en-US" sz="1600" dirty="0" smtClean="0">
-                <a:hlinkClick r:id="rId3"/>
-              </a:rPr>
-              <a:t>://tools.ietf.org/html/rfc4122</a:t>
+              <a:t>http://tools.ietf.org/html/rfc4122</a:t>
             </a:r>
             <a:endParaRPr lang="en-US" sz="1600" dirty="0" smtClean="0"/>
           </a:p>
@@ -7090,13 +7377,7 @@
               <a:rPr lang="en-US" sz="1600" dirty="0" smtClean="0">
                 <a:hlinkClick r:id="rId4"/>
               </a:rPr>
-              <a:t>http</a:t>
-            </a:r>
-            <a:r>
-              <a:rPr lang="en-US" sz="1600" dirty="0" smtClean="0">
-                <a:hlinkClick r:id="rId4"/>
-              </a:rPr>
-              <a:t>://stackoverflow.com/a/2514722/15318</a:t>
+              <a:t>http://stackoverflow.com/a/2514722/15318</a:t>
             </a:r>
             <a:endParaRPr lang="en-US" sz="1600" dirty="0" smtClean="0"/>
           </a:p>
@@ -7117,13 +7398,7 @@
               <a:rPr lang="en-US" sz="1600" dirty="0" smtClean="0">
                 <a:hlinkClick r:id="rId5"/>
               </a:rPr>
-              <a:t>https://github.com/twitter/</a:t>
-            </a:r>
-            <a:r>
-              <a:rPr lang="en-US" sz="1600" dirty="0" smtClean="0">
-                <a:hlinkClick r:id="rId5"/>
-              </a:rPr>
-              <a:t>snowflake</a:t>
+              <a:t>https://github.com/twitter/snowflake</a:t>
             </a:r>
             <a:endParaRPr lang="en-US" sz="1600" dirty="0" smtClean="0"/>
           </a:p>
@@ -7197,13 +7472,7 @@
               <a:rPr lang="en-US" sz="1600" dirty="0" smtClean="0">
                 <a:hlinkClick r:id="rId8"/>
               </a:rPr>
-              <a:t>https://github.com/davegardnerisme/</a:t>
-            </a:r>
-            <a:r>
-              <a:rPr lang="en-US" sz="1600" dirty="0" smtClean="0">
-                <a:hlinkClick r:id="rId8"/>
-              </a:rPr>
-              <a:t>cruftflake</a:t>
+              <a:t>https://github.com/davegardnerisme/cruftflake</a:t>
             </a:r>
             <a:endParaRPr lang="en-US" sz="1600" dirty="0" smtClean="0"/>
           </a:p>
